--- a/schema-board.pptx
+++ b/schema-board.pptx
@@ -244,7 +244,7 @@
           <a:p>
             <a:fld id="{1946E3B4-7936-41E6-A668-4A82495F0216}" type="datetimeFigureOut">
               <a:rPr lang="en-US" smtClean="0"/>
-              <a:t>14/05/2020</a:t>
+              <a:t>6/4/2020</a:t>
             </a:fld>
             <a:endParaRPr lang="en-US"/>
           </a:p>
@@ -414,7 +414,7 @@
           <a:p>
             <a:fld id="{1946E3B4-7936-41E6-A668-4A82495F0216}" type="datetimeFigureOut">
               <a:rPr lang="en-US" smtClean="0"/>
-              <a:t>14/05/2020</a:t>
+              <a:t>6/4/2020</a:t>
             </a:fld>
             <a:endParaRPr lang="en-US"/>
           </a:p>
@@ -594,7 +594,7 @@
           <a:p>
             <a:fld id="{1946E3B4-7936-41E6-A668-4A82495F0216}" type="datetimeFigureOut">
               <a:rPr lang="en-US" smtClean="0"/>
-              <a:t>14/05/2020</a:t>
+              <a:t>6/4/2020</a:t>
             </a:fld>
             <a:endParaRPr lang="en-US"/>
           </a:p>
@@ -764,7 +764,7 @@
           <a:p>
             <a:fld id="{1946E3B4-7936-41E6-A668-4A82495F0216}" type="datetimeFigureOut">
               <a:rPr lang="en-US" smtClean="0"/>
-              <a:t>14/05/2020</a:t>
+              <a:t>6/4/2020</a:t>
             </a:fld>
             <a:endParaRPr lang="en-US"/>
           </a:p>
@@ -1010,7 +1010,7 @@
           <a:p>
             <a:fld id="{1946E3B4-7936-41E6-A668-4A82495F0216}" type="datetimeFigureOut">
               <a:rPr lang="en-US" smtClean="0"/>
-              <a:t>14/05/2020</a:t>
+              <a:t>6/4/2020</a:t>
             </a:fld>
             <a:endParaRPr lang="en-US"/>
           </a:p>
@@ -1242,7 +1242,7 @@
           <a:p>
             <a:fld id="{1946E3B4-7936-41E6-A668-4A82495F0216}" type="datetimeFigureOut">
               <a:rPr lang="en-US" smtClean="0"/>
-              <a:t>14/05/2020</a:t>
+              <a:t>6/4/2020</a:t>
             </a:fld>
             <a:endParaRPr lang="en-US"/>
           </a:p>
@@ -1609,7 +1609,7 @@
           <a:p>
             <a:fld id="{1946E3B4-7936-41E6-A668-4A82495F0216}" type="datetimeFigureOut">
               <a:rPr lang="en-US" smtClean="0"/>
-              <a:t>14/05/2020</a:t>
+              <a:t>6/4/2020</a:t>
             </a:fld>
             <a:endParaRPr lang="en-US"/>
           </a:p>
@@ -1727,7 +1727,7 @@
           <a:p>
             <a:fld id="{1946E3B4-7936-41E6-A668-4A82495F0216}" type="datetimeFigureOut">
               <a:rPr lang="en-US" smtClean="0"/>
-              <a:t>14/05/2020</a:t>
+              <a:t>6/4/2020</a:t>
             </a:fld>
             <a:endParaRPr lang="en-US"/>
           </a:p>
@@ -1822,7 +1822,7 @@
           <a:p>
             <a:fld id="{1946E3B4-7936-41E6-A668-4A82495F0216}" type="datetimeFigureOut">
               <a:rPr lang="en-US" smtClean="0"/>
-              <a:t>14/05/2020</a:t>
+              <a:t>6/4/2020</a:t>
             </a:fld>
             <a:endParaRPr lang="en-US"/>
           </a:p>
@@ -2099,7 +2099,7 @@
           <a:p>
             <a:fld id="{1946E3B4-7936-41E6-A668-4A82495F0216}" type="datetimeFigureOut">
               <a:rPr lang="en-US" smtClean="0"/>
-              <a:t>14/05/2020</a:t>
+              <a:t>6/4/2020</a:t>
             </a:fld>
             <a:endParaRPr lang="en-US"/>
           </a:p>
@@ -2352,7 +2352,7 @@
           <a:p>
             <a:fld id="{1946E3B4-7936-41E6-A668-4A82495F0216}" type="datetimeFigureOut">
               <a:rPr lang="en-US" smtClean="0"/>
-              <a:t>14/05/2020</a:t>
+              <a:t>6/4/2020</a:t>
             </a:fld>
             <a:endParaRPr lang="en-US"/>
           </a:p>
@@ -2565,7 +2565,7 @@
           <a:p>
             <a:fld id="{1946E3B4-7936-41E6-A668-4A82495F0216}" type="datetimeFigureOut">
               <a:rPr lang="en-US" smtClean="0"/>
-              <a:t>14/05/2020</a:t>
+              <a:t>6/4/2020</a:t>
             </a:fld>
             <a:endParaRPr lang="en-US"/>
           </a:p>
@@ -3258,8 +3258,8 @@
           <a:p>
             <a:pPr algn="ctr"/>
             <a:r>
-              <a:rPr lang="en-US" err="1" smtClean="0"/>
-              <a:t>ArduinoPIR</a:t>
+              <a:rPr lang="en-US" smtClean="0"/>
+              <a:t>ArduinoLight</a:t>
             </a:r>
             <a:endParaRPr lang="en-US"/>
           </a:p>

--- a/schema-board.pptx
+++ b/schema-board.pptx
@@ -6,7 +6,6 @@
   </p:sldMasterIdLst>
   <p:sldIdLst>
     <p:sldId id="256" r:id="rId2"/>
-    <p:sldId id="257" r:id="rId3"/>
   </p:sldIdLst>
   <p:sldSz cx="12192000" cy="6858000"/>
   <p:notesSz cx="6858000" cy="9144000"/>
@@ -244,7 +243,7 @@
           <a:p>
             <a:fld id="{1946E3B4-7936-41E6-A668-4A82495F0216}" type="datetimeFigureOut">
               <a:rPr lang="en-US" smtClean="0"/>
-              <a:t>6/4/2020</a:t>
+              <a:t>7/2/2020</a:t>
             </a:fld>
             <a:endParaRPr lang="en-US"/>
           </a:p>
@@ -414,7 +413,7 @@
           <a:p>
             <a:fld id="{1946E3B4-7936-41E6-A668-4A82495F0216}" type="datetimeFigureOut">
               <a:rPr lang="en-US" smtClean="0"/>
-              <a:t>6/4/2020</a:t>
+              <a:t>7/2/2020</a:t>
             </a:fld>
             <a:endParaRPr lang="en-US"/>
           </a:p>
@@ -594,7 +593,7 @@
           <a:p>
             <a:fld id="{1946E3B4-7936-41E6-A668-4A82495F0216}" type="datetimeFigureOut">
               <a:rPr lang="en-US" smtClean="0"/>
-              <a:t>6/4/2020</a:t>
+              <a:t>7/2/2020</a:t>
             </a:fld>
             <a:endParaRPr lang="en-US"/>
           </a:p>
@@ -764,7 +763,7 @@
           <a:p>
             <a:fld id="{1946E3B4-7936-41E6-A668-4A82495F0216}" type="datetimeFigureOut">
               <a:rPr lang="en-US" smtClean="0"/>
-              <a:t>6/4/2020</a:t>
+              <a:t>7/2/2020</a:t>
             </a:fld>
             <a:endParaRPr lang="en-US"/>
           </a:p>
@@ -1010,7 +1009,7 @@
           <a:p>
             <a:fld id="{1946E3B4-7936-41E6-A668-4A82495F0216}" type="datetimeFigureOut">
               <a:rPr lang="en-US" smtClean="0"/>
-              <a:t>6/4/2020</a:t>
+              <a:t>7/2/2020</a:t>
             </a:fld>
             <a:endParaRPr lang="en-US"/>
           </a:p>
@@ -1242,7 +1241,7 @@
           <a:p>
             <a:fld id="{1946E3B4-7936-41E6-A668-4A82495F0216}" type="datetimeFigureOut">
               <a:rPr lang="en-US" smtClean="0"/>
-              <a:t>6/4/2020</a:t>
+              <a:t>7/2/2020</a:t>
             </a:fld>
             <a:endParaRPr lang="en-US"/>
           </a:p>
@@ -1609,7 +1608,7 @@
           <a:p>
             <a:fld id="{1946E3B4-7936-41E6-A668-4A82495F0216}" type="datetimeFigureOut">
               <a:rPr lang="en-US" smtClean="0"/>
-              <a:t>6/4/2020</a:t>
+              <a:t>7/2/2020</a:t>
             </a:fld>
             <a:endParaRPr lang="en-US"/>
           </a:p>
@@ -1727,7 +1726,7 @@
           <a:p>
             <a:fld id="{1946E3B4-7936-41E6-A668-4A82495F0216}" type="datetimeFigureOut">
               <a:rPr lang="en-US" smtClean="0"/>
-              <a:t>6/4/2020</a:t>
+              <a:t>7/2/2020</a:t>
             </a:fld>
             <a:endParaRPr lang="en-US"/>
           </a:p>
@@ -1822,7 +1821,7 @@
           <a:p>
             <a:fld id="{1946E3B4-7936-41E6-A668-4A82495F0216}" type="datetimeFigureOut">
               <a:rPr lang="en-US" smtClean="0"/>
-              <a:t>6/4/2020</a:t>
+              <a:t>7/2/2020</a:t>
             </a:fld>
             <a:endParaRPr lang="en-US"/>
           </a:p>
@@ -2099,7 +2098,7 @@
           <a:p>
             <a:fld id="{1946E3B4-7936-41E6-A668-4A82495F0216}" type="datetimeFigureOut">
               <a:rPr lang="en-US" smtClean="0"/>
-              <a:t>6/4/2020</a:t>
+              <a:t>7/2/2020</a:t>
             </a:fld>
             <a:endParaRPr lang="en-US"/>
           </a:p>
@@ -2352,7 +2351,7 @@
           <a:p>
             <a:fld id="{1946E3B4-7936-41E6-A668-4A82495F0216}" type="datetimeFigureOut">
               <a:rPr lang="en-US" smtClean="0"/>
-              <a:t>6/4/2020</a:t>
+              <a:t>7/2/2020</a:t>
             </a:fld>
             <a:endParaRPr lang="en-US"/>
           </a:p>
@@ -2565,7 +2564,7 @@
           <a:p>
             <a:fld id="{1946E3B4-7936-41E6-A668-4A82495F0216}" type="datetimeFigureOut">
               <a:rPr lang="en-US" smtClean="0"/>
-              <a:t>6/4/2020</a:t>
+              <a:t>7/2/2020</a:t>
             </a:fld>
             <a:endParaRPr lang="en-US"/>
           </a:p>
@@ -3220,7 +3219,7 @@
         </p:nvSpPr>
         <p:spPr>
           <a:xfrm>
-            <a:off x="423941" y="2136367"/>
+            <a:off x="423939" y="1202227"/>
             <a:ext cx="1770609" cy="1039091"/>
           </a:xfrm>
           <a:prstGeom prst="roundRect">
@@ -3259,7 +3258,7 @@
             <a:pPr algn="ctr"/>
             <a:r>
               <a:rPr lang="en-US" smtClean="0"/>
-              <a:t>ArduinoLight</a:t>
+              <a:t>ArduinoAir</a:t>
             </a:r>
             <a:endParaRPr lang="en-US"/>
           </a:p>
@@ -3502,7 +3501,7 @@
         </p:nvSpPr>
         <p:spPr>
           <a:xfrm>
-            <a:off x="3266893" y="268085"/>
+            <a:off x="423939" y="3341195"/>
             <a:ext cx="1770609" cy="1039091"/>
           </a:xfrm>
           <a:prstGeom prst="roundRect">
@@ -3540,95 +3539,13 @@
           <a:p>
             <a:pPr algn="ctr"/>
             <a:r>
-              <a:rPr lang="en-US" err="1" smtClean="0"/>
-              <a:t>ArduinoAir</a:t>
-            </a:r>
-            <a:endParaRPr lang="en-US"/>
-          </a:p>
-        </p:txBody>
-      </p:sp>
-      <p:cxnSp>
-        <p:nvCxnSpPr>
-          <p:cNvPr id="42" name="Straight Connector 41"/>
-          <p:cNvCxnSpPr>
-            <a:stCxn id="4" idx="0"/>
-          </p:cNvCxnSpPr>
-          <p:nvPr/>
-        </p:nvCxnSpPr>
-        <p:spPr>
-          <a:xfrm flipV="1">
-            <a:off x="4152198" y="1307177"/>
-            <a:ext cx="0" cy="829190"/>
-          </a:xfrm>
-          <a:prstGeom prst="line">
-            <a:avLst/>
-          </a:prstGeom>
-          <a:ln w="12700">
-            <a:solidFill>
-              <a:schemeClr val="accent5">
-                <a:lumMod val="50000"/>
-              </a:schemeClr>
-            </a:solidFill>
-            <a:headEnd type="triangle" w="med" len="med"/>
-            <a:tailEnd type="none" w="med" len="med"/>
-          </a:ln>
-        </p:spPr>
-        <p:style>
-          <a:lnRef idx="1">
-            <a:schemeClr val="dk1"/>
-          </a:lnRef>
-          <a:fillRef idx="0">
-            <a:schemeClr val="dk1"/>
-          </a:fillRef>
-          <a:effectRef idx="0">
-            <a:schemeClr val="dk1"/>
-          </a:effectRef>
-          <a:fontRef idx="minor">
-            <a:schemeClr val="tx1"/>
-          </a:fontRef>
-        </p:style>
-      </p:cxnSp>
-      <p:cxnSp>
-        <p:nvCxnSpPr>
-          <p:cNvPr id="49" name="Straight Connector 48"/>
-          <p:cNvCxnSpPr>
-            <a:stCxn id="4" idx="1"/>
-          </p:cNvCxnSpPr>
-          <p:nvPr/>
-        </p:nvCxnSpPr>
-        <p:spPr>
-          <a:xfrm flipH="1">
-            <a:off x="2194551" y="2655913"/>
-            <a:ext cx="1072342" cy="0"/>
-          </a:xfrm>
-          <a:prstGeom prst="line">
-            <a:avLst/>
-          </a:prstGeom>
-          <a:ln w="12700">
-            <a:solidFill>
-              <a:schemeClr val="accent5">
-                <a:lumMod val="50000"/>
-              </a:schemeClr>
-            </a:solidFill>
-            <a:headEnd type="triangle" w="med" len="med"/>
-            <a:tailEnd type="none" w="med" len="med"/>
-          </a:ln>
-        </p:spPr>
-        <p:style>
-          <a:lnRef idx="1">
-            <a:schemeClr val="dk1"/>
-          </a:lnRef>
-          <a:fillRef idx="0">
-            <a:schemeClr val="dk1"/>
-          </a:fillRef>
-          <a:effectRef idx="0">
-            <a:schemeClr val="dk1"/>
-          </a:effectRef>
-          <a:fontRef idx="minor">
-            <a:schemeClr val="tx1"/>
-          </a:fontRef>
-        </p:style>
-      </p:cxnSp>
+              <a:rPr lang="en-US" smtClean="0"/>
+              <a:t>ArduinoPIR</a:t>
+            </a:r>
+            <a:endParaRPr lang="en-US"/>
+          </a:p>
+        </p:txBody>
+      </p:sp>
       <p:cxnSp>
         <p:nvCxnSpPr>
           <p:cNvPr id="52" name="Straight Connector 51"/>
@@ -3944,6 +3861,347 @@
           </a:fontRef>
         </p:style>
       </p:cxnSp>
+      <p:cxnSp>
+        <p:nvCxnSpPr>
+          <p:cNvPr id="10" name="Elbow Connector 9"/>
+          <p:cNvCxnSpPr>
+            <a:stCxn id="9" idx="3"/>
+            <a:endCxn id="4" idx="1"/>
+          </p:cNvCxnSpPr>
+          <p:nvPr/>
+        </p:nvCxnSpPr>
+        <p:spPr>
+          <a:xfrm>
+            <a:off x="2194548" y="1721773"/>
+            <a:ext cx="1072345" cy="934140"/>
+          </a:xfrm>
+          <a:prstGeom prst="bentConnector3">
+            <a:avLst>
+              <a:gd name="adj1" fmla="val 50000"/>
+            </a:avLst>
+          </a:prstGeom>
+          <a:ln w="12700">
+            <a:solidFill>
+              <a:schemeClr val="accent1">
+                <a:lumMod val="50000"/>
+              </a:schemeClr>
+            </a:solidFill>
+            <a:tailEnd type="triangle"/>
+          </a:ln>
+        </p:spPr>
+        <p:style>
+          <a:lnRef idx="1">
+            <a:schemeClr val="dk1"/>
+          </a:lnRef>
+          <a:fillRef idx="0">
+            <a:schemeClr val="dk1"/>
+          </a:fillRef>
+          <a:effectRef idx="0">
+            <a:schemeClr val="dk1"/>
+          </a:effectRef>
+          <a:fontRef idx="minor">
+            <a:schemeClr val="tx1"/>
+          </a:fontRef>
+        </p:style>
+      </p:cxnSp>
+      <p:grpSp>
+        <p:nvGrpSpPr>
+          <p:cNvPr id="23" name="Group 22"/>
+          <p:cNvGrpSpPr/>
+          <p:nvPr/>
+        </p:nvGrpSpPr>
+        <p:grpSpPr>
+          <a:xfrm>
+            <a:off x="1005303" y="2462798"/>
+            <a:ext cx="607882" cy="626436"/>
+            <a:chOff x="1083758" y="2458486"/>
+            <a:chExt cx="450969" cy="464734"/>
+          </a:xfrm>
+          <a:solidFill>
+            <a:srgbClr val="92D050"/>
+          </a:solidFill>
+        </p:grpSpPr>
+        <p:sp>
+          <p:nvSpPr>
+            <p:cNvPr id="16" name="Circular Arrow 15"/>
+            <p:cNvSpPr/>
+            <p:nvPr/>
+          </p:nvSpPr>
+          <p:spPr>
+            <a:xfrm>
+              <a:off x="1083758" y="2458486"/>
+              <a:ext cx="450969" cy="450969"/>
+            </a:xfrm>
+            <a:prstGeom prst="circularArrow">
+              <a:avLst>
+                <a:gd name="adj1" fmla="val 12500"/>
+                <a:gd name="adj2" fmla="val 1142319"/>
+                <a:gd name="adj3" fmla="val 20457681"/>
+                <a:gd name="adj4" fmla="val 12149360"/>
+                <a:gd name="adj5" fmla="val 12500"/>
+              </a:avLst>
+            </a:prstGeom>
+            <a:grpFill/>
+            <a:ln>
+              <a:noFill/>
+            </a:ln>
+          </p:spPr>
+          <p:style>
+            <a:lnRef idx="2">
+              <a:schemeClr val="accent1">
+                <a:shade val="50000"/>
+              </a:schemeClr>
+            </a:lnRef>
+            <a:fillRef idx="1">
+              <a:schemeClr val="accent1"/>
+            </a:fillRef>
+            <a:effectRef idx="0">
+              <a:schemeClr val="accent1"/>
+            </a:effectRef>
+            <a:fontRef idx="minor">
+              <a:schemeClr val="lt1"/>
+            </a:fontRef>
+          </p:style>
+          <p:txBody>
+            <a:bodyPr rtlCol="0" anchor="ctr"/>
+            <a:lstStyle/>
+            <a:p>
+              <a:pPr algn="ctr"/>
+              <a:endParaRPr lang="en-US">
+                <a:solidFill>
+                  <a:schemeClr val="tx1"/>
+                </a:solidFill>
+              </a:endParaRPr>
+            </a:p>
+          </p:txBody>
+        </p:sp>
+        <p:sp>
+          <p:nvSpPr>
+            <p:cNvPr id="32" name="Circular Arrow 31"/>
+            <p:cNvSpPr/>
+            <p:nvPr/>
+          </p:nvSpPr>
+          <p:spPr>
+            <a:xfrm rot="10800000">
+              <a:off x="1083758" y="2472251"/>
+              <a:ext cx="450969" cy="450969"/>
+            </a:xfrm>
+            <a:prstGeom prst="circularArrow">
+              <a:avLst>
+                <a:gd name="adj1" fmla="val 12500"/>
+                <a:gd name="adj2" fmla="val 1142319"/>
+                <a:gd name="adj3" fmla="val 20457681"/>
+                <a:gd name="adj4" fmla="val 12181969"/>
+                <a:gd name="adj5" fmla="val 12039"/>
+              </a:avLst>
+            </a:prstGeom>
+            <a:grpFill/>
+            <a:ln>
+              <a:noFill/>
+            </a:ln>
+          </p:spPr>
+          <p:style>
+            <a:lnRef idx="2">
+              <a:schemeClr val="accent1">
+                <a:shade val="50000"/>
+              </a:schemeClr>
+            </a:lnRef>
+            <a:fillRef idx="1">
+              <a:schemeClr val="accent1"/>
+            </a:fillRef>
+            <a:effectRef idx="0">
+              <a:schemeClr val="accent1"/>
+            </a:effectRef>
+            <a:fontRef idx="minor">
+              <a:schemeClr val="lt1"/>
+            </a:fontRef>
+          </p:style>
+          <p:txBody>
+            <a:bodyPr rtlCol="0" anchor="ctr"/>
+            <a:lstStyle/>
+            <a:p>
+              <a:pPr algn="ctr"/>
+              <a:endParaRPr lang="en-US">
+                <a:solidFill>
+                  <a:schemeClr val="tx1"/>
+                </a:solidFill>
+              </a:endParaRPr>
+            </a:p>
+          </p:txBody>
+        </p:sp>
+      </p:grpSp>
+      <p:grpSp>
+        <p:nvGrpSpPr>
+          <p:cNvPr id="45" name="Group 44"/>
+          <p:cNvGrpSpPr/>
+          <p:nvPr/>
+        </p:nvGrpSpPr>
+        <p:grpSpPr>
+          <a:xfrm>
+            <a:off x="1005302" y="4617006"/>
+            <a:ext cx="607882" cy="626436"/>
+            <a:chOff x="1083758" y="2458486"/>
+            <a:chExt cx="450969" cy="464734"/>
+          </a:xfrm>
+          <a:solidFill>
+            <a:srgbClr val="92D050"/>
+          </a:solidFill>
+        </p:grpSpPr>
+        <p:sp>
+          <p:nvSpPr>
+            <p:cNvPr id="46" name="Circular Arrow 45"/>
+            <p:cNvSpPr/>
+            <p:nvPr/>
+          </p:nvSpPr>
+          <p:spPr>
+            <a:xfrm>
+              <a:off x="1083758" y="2458486"/>
+              <a:ext cx="450969" cy="450969"/>
+            </a:xfrm>
+            <a:prstGeom prst="circularArrow">
+              <a:avLst>
+                <a:gd name="adj1" fmla="val 12500"/>
+                <a:gd name="adj2" fmla="val 1142319"/>
+                <a:gd name="adj3" fmla="val 20457681"/>
+                <a:gd name="adj4" fmla="val 12149360"/>
+                <a:gd name="adj5" fmla="val 12500"/>
+              </a:avLst>
+            </a:prstGeom>
+            <a:grpFill/>
+            <a:ln>
+              <a:noFill/>
+            </a:ln>
+          </p:spPr>
+          <p:style>
+            <a:lnRef idx="2">
+              <a:schemeClr val="accent1">
+                <a:shade val="50000"/>
+              </a:schemeClr>
+            </a:lnRef>
+            <a:fillRef idx="1">
+              <a:schemeClr val="accent1"/>
+            </a:fillRef>
+            <a:effectRef idx="0">
+              <a:schemeClr val="accent1"/>
+            </a:effectRef>
+            <a:fontRef idx="minor">
+              <a:schemeClr val="lt1"/>
+            </a:fontRef>
+          </p:style>
+          <p:txBody>
+            <a:bodyPr rtlCol="0" anchor="ctr"/>
+            <a:lstStyle/>
+            <a:p>
+              <a:pPr algn="ctr"/>
+              <a:endParaRPr lang="en-US">
+                <a:solidFill>
+                  <a:schemeClr val="tx1"/>
+                </a:solidFill>
+              </a:endParaRPr>
+            </a:p>
+          </p:txBody>
+        </p:sp>
+        <p:sp>
+          <p:nvSpPr>
+            <p:cNvPr id="47" name="Circular Arrow 46"/>
+            <p:cNvSpPr/>
+            <p:nvPr/>
+          </p:nvSpPr>
+          <p:spPr>
+            <a:xfrm rot="10800000">
+              <a:off x="1083758" y="2472251"/>
+              <a:ext cx="450969" cy="450969"/>
+            </a:xfrm>
+            <a:prstGeom prst="circularArrow">
+              <a:avLst>
+                <a:gd name="adj1" fmla="val 12500"/>
+                <a:gd name="adj2" fmla="val 1142319"/>
+                <a:gd name="adj3" fmla="val 20457681"/>
+                <a:gd name="adj4" fmla="val 12181969"/>
+                <a:gd name="adj5" fmla="val 12039"/>
+              </a:avLst>
+            </a:prstGeom>
+            <a:grpFill/>
+            <a:ln>
+              <a:noFill/>
+            </a:ln>
+          </p:spPr>
+          <p:style>
+            <a:lnRef idx="2">
+              <a:schemeClr val="accent1">
+                <a:shade val="50000"/>
+              </a:schemeClr>
+            </a:lnRef>
+            <a:fillRef idx="1">
+              <a:schemeClr val="accent1"/>
+            </a:fillRef>
+            <a:effectRef idx="0">
+              <a:schemeClr val="accent1"/>
+            </a:effectRef>
+            <a:fontRef idx="minor">
+              <a:schemeClr val="lt1"/>
+            </a:fontRef>
+          </p:style>
+          <p:txBody>
+            <a:bodyPr rtlCol="0" anchor="ctr"/>
+            <a:lstStyle/>
+            <a:p>
+              <a:pPr algn="ctr"/>
+              <a:endParaRPr lang="en-US">
+                <a:solidFill>
+                  <a:schemeClr val="tx1"/>
+                </a:solidFill>
+              </a:endParaRPr>
+            </a:p>
+          </p:txBody>
+        </p:sp>
+      </p:grpSp>
+      <p:sp>
+        <p:nvSpPr>
+          <p:cNvPr id="24" name="TextBox 23"/>
+          <p:cNvSpPr txBox="1"/>
+          <p:nvPr/>
+        </p:nvSpPr>
+        <p:spPr>
+          <a:xfrm>
+            <a:off x="3767341" y="613771"/>
+            <a:ext cx="4414859" cy="646331"/>
+          </a:xfrm>
+          <a:prstGeom prst="rect">
+            <a:avLst/>
+          </a:prstGeom>
+          <a:noFill/>
+        </p:spPr>
+        <p:txBody>
+          <a:bodyPr wrap="square" rtlCol="0">
+            <a:spAutoFit/>
+          </a:bodyPr>
+          <a:lstStyle/>
+          <a:p>
+            <a:r>
+              <a:rPr lang="en-US" sz="3600" b="1" smtClean="0"/>
+              <a:t>THCNTT3 - </a:t>
+            </a:r>
+            <a:r>
+              <a:rPr lang="en-US" sz="3600" b="1" smtClean="0">
+                <a:solidFill>
+                  <a:schemeClr val="accent1">
+                    <a:lumMod val="50000"/>
+                  </a:schemeClr>
+                </a:solidFill>
+              </a:rPr>
+              <a:t>OmniCare</a:t>
+            </a:r>
+            <a:endParaRPr lang="en-US" sz="3600" b="1">
+              <a:solidFill>
+                <a:schemeClr val="accent1">
+                  <a:lumMod val="50000"/>
+                </a:schemeClr>
+              </a:solidFill>
+            </a:endParaRPr>
+          </a:p>
+        </p:txBody>
+      </p:sp>
     </p:spTree>
     <p:extLst>
       <p:ext uri="{BB962C8B-B14F-4D97-AF65-F5344CB8AC3E}">
@@ -3961,74 +4219,6 @@
       </p:par>
     </p:tnLst>
   </p:timing>
-</p:sld>
-</file>
-
-<file path=ppt/slides/slide2.xml><?xml version="1.0" encoding="utf-8"?>
-<p:sld xmlns:a="http://schemas.openxmlformats.org/drawingml/2006/main" xmlns:r="http://schemas.openxmlformats.org/officeDocument/2006/relationships" xmlns:p="http://schemas.openxmlformats.org/presentationml/2006/main">
-  <p:cSld>
-    <p:spTree>
-      <p:nvGrpSpPr>
-        <p:cNvPr id="1" name=""/>
-        <p:cNvGrpSpPr/>
-        <p:nvPr/>
-      </p:nvGrpSpPr>
-      <p:grpSpPr>
-        <a:xfrm>
-          <a:off x="0" y="0"/>
-          <a:ext cx="0" cy="0"/>
-          <a:chOff x="0" y="0"/>
-          <a:chExt cx="0" cy="0"/>
-        </a:xfrm>
-      </p:grpSpPr>
-      <p:sp>
-        <p:nvSpPr>
-          <p:cNvPr id="2" name="Title 1"/>
-          <p:cNvSpPr>
-            <a:spLocks noGrp="1"/>
-          </p:cNvSpPr>
-          <p:nvPr>
-            <p:ph type="title"/>
-          </p:nvPr>
-        </p:nvSpPr>
-        <p:spPr/>
-        <p:txBody>
-          <a:bodyPr/>
-          <a:lstStyle/>
-          <a:p>
-            <a:endParaRPr lang="en-US"/>
-          </a:p>
-        </p:txBody>
-      </p:sp>
-      <p:sp>
-        <p:nvSpPr>
-          <p:cNvPr id="3" name="Content Placeholder 2"/>
-          <p:cNvSpPr>
-            <a:spLocks noGrp="1"/>
-          </p:cNvSpPr>
-          <p:nvPr>
-            <p:ph idx="1"/>
-          </p:nvPr>
-        </p:nvSpPr>
-        <p:spPr/>
-        <p:txBody>
-          <a:bodyPr/>
-          <a:lstStyle/>
-          <a:p>
-            <a:endParaRPr lang="en-US"/>
-          </a:p>
-        </p:txBody>
-      </p:sp>
-    </p:spTree>
-    <p:extLst>
-      <p:ext uri="{BB962C8B-B14F-4D97-AF65-F5344CB8AC3E}">
-        <p14:creationId xmlns:p14="http://schemas.microsoft.com/office/powerpoint/2010/main" val="2305260065"/>
-      </p:ext>
-    </p:extLst>
-  </p:cSld>
-  <p:clrMapOvr>
-    <a:masterClrMapping/>
-  </p:clrMapOvr>
 </p:sld>
 </file>
 
